--- a/ppt 16-9/1511.每当我瞻仰祢.pptx
+++ b/ppt 16-9/1511.每当我瞻仰祢.pptx
@@ -5,7 +5,7 @@
     <p:sldMasterId id="2147483648" r:id="rId1"/>
   </p:sldMasterIdLst>
   <p:sldIdLst>
-    <p:sldId id="1913" r:id="rId2"/>
+    <p:sldId id="1914" r:id="rId2"/>
   </p:sldIdLst>
   <p:sldSz cx="12192000" cy="6858000"/>
   <p:notesSz cx="6858000" cy="9144000"/>
@@ -129,7 +129,7 @@
           <p:cNvPr id="2" name="标题 1">
             <a:extLst>
               <a:ext uri="{FF2B5EF4-FFF2-40B4-BE49-F238E27FC236}">
-                <a16:creationId xmlns:a16="http://schemas.microsoft.com/office/drawing/2014/main" id="{8D005716-AE1B-C6EF-A1D1-53AF6345106C}"/>
+                <a16:creationId xmlns:a16="http://schemas.microsoft.com/office/drawing/2014/main" id="{E74091B7-0CF9-E2D9-346B-63E1DE32F5E2}"/>
               </a:ext>
             </a:extLst>
           </p:cNvPr>
@@ -166,7 +166,7 @@
           <p:cNvPr id="3" name="副标题 2">
             <a:extLst>
               <a:ext uri="{FF2B5EF4-FFF2-40B4-BE49-F238E27FC236}">
-                <a16:creationId xmlns:a16="http://schemas.microsoft.com/office/drawing/2014/main" id="{53692D45-9691-F3A1-C684-0BBFE6EEB193}"/>
+                <a16:creationId xmlns:a16="http://schemas.microsoft.com/office/drawing/2014/main" id="{C95B2D6D-313F-B37D-4F9F-3BFF3C418A27}"/>
               </a:ext>
             </a:extLst>
           </p:cNvPr>
@@ -236,7 +236,7 @@
           <p:cNvPr id="4" name="日期占位符 3">
             <a:extLst>
               <a:ext uri="{FF2B5EF4-FFF2-40B4-BE49-F238E27FC236}">
-                <a16:creationId xmlns:a16="http://schemas.microsoft.com/office/drawing/2014/main" id="{20BF7D08-252C-9D22-1EBB-A0419B35627A}"/>
+                <a16:creationId xmlns:a16="http://schemas.microsoft.com/office/drawing/2014/main" id="{984B42F8-EFFB-5FFC-6FDD-8A5D701A1288}"/>
               </a:ext>
             </a:extLst>
           </p:cNvPr>
@@ -252,7 +252,7 @@
           <a:bodyPr/>
           <a:lstStyle/>
           <a:p>
-            <a:fld id="{1B6628A2-3420-4372-810F-6A193926CE17}" type="datetimeFigureOut">
+            <a:fld id="{806B4383-8977-4C41-B304-961E2D2CA26A}" type="datetimeFigureOut">
               <a:rPr lang="zh-CN" altLang="en-US" smtClean="0"/>
               <a:t>2024/3/10</a:t>
             </a:fld>
@@ -265,7 +265,7 @@
           <p:cNvPr id="5" name="页脚占位符 4">
             <a:extLst>
               <a:ext uri="{FF2B5EF4-FFF2-40B4-BE49-F238E27FC236}">
-                <a16:creationId xmlns:a16="http://schemas.microsoft.com/office/drawing/2014/main" id="{C869FBD4-338A-521F-3D4E-997EBA523792}"/>
+                <a16:creationId xmlns:a16="http://schemas.microsoft.com/office/drawing/2014/main" id="{361F6188-F7F4-9C1B-B1C3-0C214B9D9684}"/>
               </a:ext>
             </a:extLst>
           </p:cNvPr>
@@ -290,7 +290,7 @@
           <p:cNvPr id="6" name="灯片编号占位符 5">
             <a:extLst>
               <a:ext uri="{FF2B5EF4-FFF2-40B4-BE49-F238E27FC236}">
-                <a16:creationId xmlns:a16="http://schemas.microsoft.com/office/drawing/2014/main" id="{D86372A7-6B7A-4200-0224-5F80E9C48ED0}"/>
+                <a16:creationId xmlns:a16="http://schemas.microsoft.com/office/drawing/2014/main" id="{7C0C352F-13D6-335E-2DA6-EE0A76DEEBF0}"/>
               </a:ext>
             </a:extLst>
           </p:cNvPr>
@@ -306,7 +306,7 @@
           <a:bodyPr/>
           <a:lstStyle/>
           <a:p>
-            <a:fld id="{63C1EC80-D344-4A62-93C2-B12A63F750E6}" type="slidenum">
+            <a:fld id="{7F656934-06C3-46B0-9F6C-46EE65897780}" type="slidenum">
               <a:rPr lang="zh-CN" altLang="en-US" smtClean="0"/>
               <a:t>‹#›</a:t>
             </a:fld>
@@ -317,7 +317,7 @@
     </p:spTree>
     <p:extLst>
       <p:ext uri="{BB962C8B-B14F-4D97-AF65-F5344CB8AC3E}">
-        <p14:creationId xmlns:p14="http://schemas.microsoft.com/office/powerpoint/2010/main" val="2157568187"/>
+        <p14:creationId xmlns:p14="http://schemas.microsoft.com/office/powerpoint/2010/main" val="2415565440"/>
       </p:ext>
     </p:extLst>
   </p:cSld>
@@ -349,7 +349,7 @@
           <p:cNvPr id="2" name="标题 1">
             <a:extLst>
               <a:ext uri="{FF2B5EF4-FFF2-40B4-BE49-F238E27FC236}">
-                <a16:creationId xmlns:a16="http://schemas.microsoft.com/office/drawing/2014/main" id="{A1F36053-D234-A90B-D653-0ACDD660BEB2}"/>
+                <a16:creationId xmlns:a16="http://schemas.microsoft.com/office/drawing/2014/main" id="{92662F4D-5840-500E-45BF-643304248D1A}"/>
               </a:ext>
             </a:extLst>
           </p:cNvPr>
@@ -377,7 +377,7 @@
           <p:cNvPr id="3" name="竖排文字占位符 2">
             <a:extLst>
               <a:ext uri="{FF2B5EF4-FFF2-40B4-BE49-F238E27FC236}">
-                <a16:creationId xmlns:a16="http://schemas.microsoft.com/office/drawing/2014/main" id="{2097FB41-D816-AF27-F609-2181DD196456}"/>
+                <a16:creationId xmlns:a16="http://schemas.microsoft.com/office/drawing/2014/main" id="{143801EC-8223-7413-4B63-CD2D6308FBEA}"/>
               </a:ext>
             </a:extLst>
           </p:cNvPr>
@@ -434,7 +434,7 @@
           <p:cNvPr id="4" name="日期占位符 3">
             <a:extLst>
               <a:ext uri="{FF2B5EF4-FFF2-40B4-BE49-F238E27FC236}">
-                <a16:creationId xmlns:a16="http://schemas.microsoft.com/office/drawing/2014/main" id="{71ACFC92-E8E8-8E4A-6868-2E1BCE135995}"/>
+                <a16:creationId xmlns:a16="http://schemas.microsoft.com/office/drawing/2014/main" id="{0DC6AAF5-9E0C-B399-1F31-A32B436C4470}"/>
               </a:ext>
             </a:extLst>
           </p:cNvPr>
@@ -450,7 +450,7 @@
           <a:bodyPr/>
           <a:lstStyle/>
           <a:p>
-            <a:fld id="{1B6628A2-3420-4372-810F-6A193926CE17}" type="datetimeFigureOut">
+            <a:fld id="{806B4383-8977-4C41-B304-961E2D2CA26A}" type="datetimeFigureOut">
               <a:rPr lang="zh-CN" altLang="en-US" smtClean="0"/>
               <a:t>2024/3/10</a:t>
             </a:fld>
@@ -463,7 +463,7 @@
           <p:cNvPr id="5" name="页脚占位符 4">
             <a:extLst>
               <a:ext uri="{FF2B5EF4-FFF2-40B4-BE49-F238E27FC236}">
-                <a16:creationId xmlns:a16="http://schemas.microsoft.com/office/drawing/2014/main" id="{194FF7F8-11C4-03A4-FABD-DA4E91D31875}"/>
+                <a16:creationId xmlns:a16="http://schemas.microsoft.com/office/drawing/2014/main" id="{A6B2E9C5-56E4-114F-3233-B03D54E52C2D}"/>
               </a:ext>
             </a:extLst>
           </p:cNvPr>
@@ -488,7 +488,7 @@
           <p:cNvPr id="6" name="灯片编号占位符 5">
             <a:extLst>
               <a:ext uri="{FF2B5EF4-FFF2-40B4-BE49-F238E27FC236}">
-                <a16:creationId xmlns:a16="http://schemas.microsoft.com/office/drawing/2014/main" id="{F750F04D-128E-FD42-9C49-3976546DE752}"/>
+                <a16:creationId xmlns:a16="http://schemas.microsoft.com/office/drawing/2014/main" id="{A732E807-5C06-45AF-7D68-F80D900797DF}"/>
               </a:ext>
             </a:extLst>
           </p:cNvPr>
@@ -504,7 +504,7 @@
           <a:bodyPr/>
           <a:lstStyle/>
           <a:p>
-            <a:fld id="{63C1EC80-D344-4A62-93C2-B12A63F750E6}" type="slidenum">
+            <a:fld id="{7F656934-06C3-46B0-9F6C-46EE65897780}" type="slidenum">
               <a:rPr lang="zh-CN" altLang="en-US" smtClean="0"/>
               <a:t>‹#›</a:t>
             </a:fld>
@@ -515,7 +515,7 @@
     </p:spTree>
     <p:extLst>
       <p:ext uri="{BB962C8B-B14F-4D97-AF65-F5344CB8AC3E}">
-        <p14:creationId xmlns:p14="http://schemas.microsoft.com/office/powerpoint/2010/main" val="2352502363"/>
+        <p14:creationId xmlns:p14="http://schemas.microsoft.com/office/powerpoint/2010/main" val="458594965"/>
       </p:ext>
     </p:extLst>
   </p:cSld>
@@ -547,7 +547,7 @@
           <p:cNvPr id="2" name="竖排标题 1">
             <a:extLst>
               <a:ext uri="{FF2B5EF4-FFF2-40B4-BE49-F238E27FC236}">
-                <a16:creationId xmlns:a16="http://schemas.microsoft.com/office/drawing/2014/main" id="{EB0C80CE-8F13-6AD7-EDC3-034A6296ABB9}"/>
+                <a16:creationId xmlns:a16="http://schemas.microsoft.com/office/drawing/2014/main" id="{4F26E7E5-FE7A-F496-FD23-0F7900577446}"/>
               </a:ext>
             </a:extLst>
           </p:cNvPr>
@@ -580,7 +580,7 @@
           <p:cNvPr id="3" name="竖排文字占位符 2">
             <a:extLst>
               <a:ext uri="{FF2B5EF4-FFF2-40B4-BE49-F238E27FC236}">
-                <a16:creationId xmlns:a16="http://schemas.microsoft.com/office/drawing/2014/main" id="{6267A51F-F415-B7A0-3DF8-07AC89CADD5C}"/>
+                <a16:creationId xmlns:a16="http://schemas.microsoft.com/office/drawing/2014/main" id="{EC47BFD0-B79D-4A3E-4DAF-1738A19E6389}"/>
               </a:ext>
             </a:extLst>
           </p:cNvPr>
@@ -642,7 +642,7 @@
           <p:cNvPr id="4" name="日期占位符 3">
             <a:extLst>
               <a:ext uri="{FF2B5EF4-FFF2-40B4-BE49-F238E27FC236}">
-                <a16:creationId xmlns:a16="http://schemas.microsoft.com/office/drawing/2014/main" id="{81B86913-A8A3-8AD7-4441-A756A359BB4B}"/>
+                <a16:creationId xmlns:a16="http://schemas.microsoft.com/office/drawing/2014/main" id="{CEB97877-0138-2546-88CB-B7B9616167E1}"/>
               </a:ext>
             </a:extLst>
           </p:cNvPr>
@@ -658,7 +658,7 @@
           <a:bodyPr/>
           <a:lstStyle/>
           <a:p>
-            <a:fld id="{1B6628A2-3420-4372-810F-6A193926CE17}" type="datetimeFigureOut">
+            <a:fld id="{806B4383-8977-4C41-B304-961E2D2CA26A}" type="datetimeFigureOut">
               <a:rPr lang="zh-CN" altLang="en-US" smtClean="0"/>
               <a:t>2024/3/10</a:t>
             </a:fld>
@@ -671,7 +671,7 @@
           <p:cNvPr id="5" name="页脚占位符 4">
             <a:extLst>
               <a:ext uri="{FF2B5EF4-FFF2-40B4-BE49-F238E27FC236}">
-                <a16:creationId xmlns:a16="http://schemas.microsoft.com/office/drawing/2014/main" id="{7A345D48-6586-184B-5489-E6A8DE9E7566}"/>
+                <a16:creationId xmlns:a16="http://schemas.microsoft.com/office/drawing/2014/main" id="{3B0AF37A-335D-E39B-4BF0-5E833C003F8A}"/>
               </a:ext>
             </a:extLst>
           </p:cNvPr>
@@ -696,7 +696,7 @@
           <p:cNvPr id="6" name="灯片编号占位符 5">
             <a:extLst>
               <a:ext uri="{FF2B5EF4-FFF2-40B4-BE49-F238E27FC236}">
-                <a16:creationId xmlns:a16="http://schemas.microsoft.com/office/drawing/2014/main" id="{99DA1FD0-4FA1-705A-75AA-6FCA0B7E094B}"/>
+                <a16:creationId xmlns:a16="http://schemas.microsoft.com/office/drawing/2014/main" id="{65FF0657-46F4-82B5-9C81-883F909D297E}"/>
               </a:ext>
             </a:extLst>
           </p:cNvPr>
@@ -712,7 +712,7 @@
           <a:bodyPr/>
           <a:lstStyle/>
           <a:p>
-            <a:fld id="{63C1EC80-D344-4A62-93C2-B12A63F750E6}" type="slidenum">
+            <a:fld id="{7F656934-06C3-46B0-9F6C-46EE65897780}" type="slidenum">
               <a:rPr lang="zh-CN" altLang="en-US" smtClean="0"/>
               <a:t>‹#›</a:t>
             </a:fld>
@@ -723,7 +723,7 @@
     </p:spTree>
     <p:extLst>
       <p:ext uri="{BB962C8B-B14F-4D97-AF65-F5344CB8AC3E}">
-        <p14:creationId xmlns:p14="http://schemas.microsoft.com/office/powerpoint/2010/main" val="4191603021"/>
+        <p14:creationId xmlns:p14="http://schemas.microsoft.com/office/powerpoint/2010/main" val="2672850319"/>
       </p:ext>
     </p:extLst>
   </p:cSld>
@@ -755,7 +755,7 @@
           <p:cNvPr id="2" name="标题 1">
             <a:extLst>
               <a:ext uri="{FF2B5EF4-FFF2-40B4-BE49-F238E27FC236}">
-                <a16:creationId xmlns:a16="http://schemas.microsoft.com/office/drawing/2014/main" id="{52062F88-37EC-9FFC-33CE-C314EFB067C3}"/>
+                <a16:creationId xmlns:a16="http://schemas.microsoft.com/office/drawing/2014/main" id="{3289910C-7D9D-2542-0FAC-C6313FF6B368}"/>
               </a:ext>
             </a:extLst>
           </p:cNvPr>
@@ -783,7 +783,7 @@
           <p:cNvPr id="3" name="内容占位符 2">
             <a:extLst>
               <a:ext uri="{FF2B5EF4-FFF2-40B4-BE49-F238E27FC236}">
-                <a16:creationId xmlns:a16="http://schemas.microsoft.com/office/drawing/2014/main" id="{BEB2BE5B-B3BC-7F47-B4C9-F6D91ECBA92E}"/>
+                <a16:creationId xmlns:a16="http://schemas.microsoft.com/office/drawing/2014/main" id="{1815A1D3-8707-A976-7068-79AEEE042673}"/>
               </a:ext>
             </a:extLst>
           </p:cNvPr>
@@ -840,7 +840,7 @@
           <p:cNvPr id="4" name="日期占位符 3">
             <a:extLst>
               <a:ext uri="{FF2B5EF4-FFF2-40B4-BE49-F238E27FC236}">
-                <a16:creationId xmlns:a16="http://schemas.microsoft.com/office/drawing/2014/main" id="{1B88F1E8-0693-35E1-DD6E-96C31C8CFBD4}"/>
+                <a16:creationId xmlns:a16="http://schemas.microsoft.com/office/drawing/2014/main" id="{7DC2FFFE-8D7C-F46F-8FA6-A9C616A8CA1A}"/>
               </a:ext>
             </a:extLst>
           </p:cNvPr>
@@ -856,7 +856,7 @@
           <a:bodyPr/>
           <a:lstStyle/>
           <a:p>
-            <a:fld id="{1B6628A2-3420-4372-810F-6A193926CE17}" type="datetimeFigureOut">
+            <a:fld id="{806B4383-8977-4C41-B304-961E2D2CA26A}" type="datetimeFigureOut">
               <a:rPr lang="zh-CN" altLang="en-US" smtClean="0"/>
               <a:t>2024/3/10</a:t>
             </a:fld>
@@ -869,7 +869,7 @@
           <p:cNvPr id="5" name="页脚占位符 4">
             <a:extLst>
               <a:ext uri="{FF2B5EF4-FFF2-40B4-BE49-F238E27FC236}">
-                <a16:creationId xmlns:a16="http://schemas.microsoft.com/office/drawing/2014/main" id="{AB692D0C-6B5F-4D77-9E01-AA36EAAF562F}"/>
+                <a16:creationId xmlns:a16="http://schemas.microsoft.com/office/drawing/2014/main" id="{D35BE271-8224-2281-A5C2-0B32062A9A05}"/>
               </a:ext>
             </a:extLst>
           </p:cNvPr>
@@ -894,7 +894,7 @@
           <p:cNvPr id="6" name="灯片编号占位符 5">
             <a:extLst>
               <a:ext uri="{FF2B5EF4-FFF2-40B4-BE49-F238E27FC236}">
-                <a16:creationId xmlns:a16="http://schemas.microsoft.com/office/drawing/2014/main" id="{A7615942-5F69-F35D-3346-27B89428C684}"/>
+                <a16:creationId xmlns:a16="http://schemas.microsoft.com/office/drawing/2014/main" id="{643A31D2-6393-BF2B-5DFD-C5D355AEF5E2}"/>
               </a:ext>
             </a:extLst>
           </p:cNvPr>
@@ -910,7 +910,7 @@
           <a:bodyPr/>
           <a:lstStyle/>
           <a:p>
-            <a:fld id="{63C1EC80-D344-4A62-93C2-B12A63F750E6}" type="slidenum">
+            <a:fld id="{7F656934-06C3-46B0-9F6C-46EE65897780}" type="slidenum">
               <a:rPr lang="zh-CN" altLang="en-US" smtClean="0"/>
               <a:t>‹#›</a:t>
             </a:fld>
@@ -921,7 +921,7 @@
     </p:spTree>
     <p:extLst>
       <p:ext uri="{BB962C8B-B14F-4D97-AF65-F5344CB8AC3E}">
-        <p14:creationId xmlns:p14="http://schemas.microsoft.com/office/powerpoint/2010/main" val="2612894897"/>
+        <p14:creationId xmlns:p14="http://schemas.microsoft.com/office/powerpoint/2010/main" val="3337294484"/>
       </p:ext>
     </p:extLst>
   </p:cSld>
@@ -953,7 +953,7 @@
           <p:cNvPr id="2" name="标题 1">
             <a:extLst>
               <a:ext uri="{FF2B5EF4-FFF2-40B4-BE49-F238E27FC236}">
-                <a16:creationId xmlns:a16="http://schemas.microsoft.com/office/drawing/2014/main" id="{FC8D1A48-38E8-EFA4-06CD-E9734FA3E6B7}"/>
+                <a16:creationId xmlns:a16="http://schemas.microsoft.com/office/drawing/2014/main" id="{8CF22D1A-779B-26EE-921E-2FED08645E22}"/>
               </a:ext>
             </a:extLst>
           </p:cNvPr>
@@ -990,7 +990,7 @@
           <p:cNvPr id="3" name="文本占位符 2">
             <a:extLst>
               <a:ext uri="{FF2B5EF4-FFF2-40B4-BE49-F238E27FC236}">
-                <a16:creationId xmlns:a16="http://schemas.microsoft.com/office/drawing/2014/main" id="{36A7678F-E981-41A4-D1BE-EC13355AC061}"/>
+                <a16:creationId xmlns:a16="http://schemas.microsoft.com/office/drawing/2014/main" id="{0EA32494-8335-70C8-2300-9FB09D4C2B35}"/>
               </a:ext>
             </a:extLst>
           </p:cNvPr>
@@ -1115,7 +1115,7 @@
           <p:cNvPr id="4" name="日期占位符 3">
             <a:extLst>
               <a:ext uri="{FF2B5EF4-FFF2-40B4-BE49-F238E27FC236}">
-                <a16:creationId xmlns:a16="http://schemas.microsoft.com/office/drawing/2014/main" id="{5747E3A7-59A2-9352-DE59-0C8E11990556}"/>
+                <a16:creationId xmlns:a16="http://schemas.microsoft.com/office/drawing/2014/main" id="{ADA0FD65-9DCB-ED58-C50E-E658F5479A8D}"/>
               </a:ext>
             </a:extLst>
           </p:cNvPr>
@@ -1131,7 +1131,7 @@
           <a:bodyPr/>
           <a:lstStyle/>
           <a:p>
-            <a:fld id="{1B6628A2-3420-4372-810F-6A193926CE17}" type="datetimeFigureOut">
+            <a:fld id="{806B4383-8977-4C41-B304-961E2D2CA26A}" type="datetimeFigureOut">
               <a:rPr lang="zh-CN" altLang="en-US" smtClean="0"/>
               <a:t>2024/3/10</a:t>
             </a:fld>
@@ -1144,7 +1144,7 @@
           <p:cNvPr id="5" name="页脚占位符 4">
             <a:extLst>
               <a:ext uri="{FF2B5EF4-FFF2-40B4-BE49-F238E27FC236}">
-                <a16:creationId xmlns:a16="http://schemas.microsoft.com/office/drawing/2014/main" id="{91069866-BB2C-800C-B10F-A9E24811C2BA}"/>
+                <a16:creationId xmlns:a16="http://schemas.microsoft.com/office/drawing/2014/main" id="{D00CCEB2-B81F-E566-6333-F2240C7C0729}"/>
               </a:ext>
             </a:extLst>
           </p:cNvPr>
@@ -1169,7 +1169,7 @@
           <p:cNvPr id="6" name="灯片编号占位符 5">
             <a:extLst>
               <a:ext uri="{FF2B5EF4-FFF2-40B4-BE49-F238E27FC236}">
-                <a16:creationId xmlns:a16="http://schemas.microsoft.com/office/drawing/2014/main" id="{89730442-8DD5-6720-9544-933DAE1172B9}"/>
+                <a16:creationId xmlns:a16="http://schemas.microsoft.com/office/drawing/2014/main" id="{1D07EFD5-9DCC-33CD-19F4-06D01641E1D6}"/>
               </a:ext>
             </a:extLst>
           </p:cNvPr>
@@ -1185,7 +1185,7 @@
           <a:bodyPr/>
           <a:lstStyle/>
           <a:p>
-            <a:fld id="{63C1EC80-D344-4A62-93C2-B12A63F750E6}" type="slidenum">
+            <a:fld id="{7F656934-06C3-46B0-9F6C-46EE65897780}" type="slidenum">
               <a:rPr lang="zh-CN" altLang="en-US" smtClean="0"/>
               <a:t>‹#›</a:t>
             </a:fld>
@@ -1196,7 +1196,7 @@
     </p:spTree>
     <p:extLst>
       <p:ext uri="{BB962C8B-B14F-4D97-AF65-F5344CB8AC3E}">
-        <p14:creationId xmlns:p14="http://schemas.microsoft.com/office/powerpoint/2010/main" val="983967431"/>
+        <p14:creationId xmlns:p14="http://schemas.microsoft.com/office/powerpoint/2010/main" val="2266027310"/>
       </p:ext>
     </p:extLst>
   </p:cSld>
@@ -1228,7 +1228,7 @@
           <p:cNvPr id="2" name="标题 1">
             <a:extLst>
               <a:ext uri="{FF2B5EF4-FFF2-40B4-BE49-F238E27FC236}">
-                <a16:creationId xmlns:a16="http://schemas.microsoft.com/office/drawing/2014/main" id="{E0B4DD1D-CA05-2E73-6CE4-AEF341A4CEA7}"/>
+                <a16:creationId xmlns:a16="http://schemas.microsoft.com/office/drawing/2014/main" id="{FE089A41-A6B3-1CDA-D130-64C66C82EC7B}"/>
               </a:ext>
             </a:extLst>
           </p:cNvPr>
@@ -1256,7 +1256,7 @@
           <p:cNvPr id="3" name="内容占位符 2">
             <a:extLst>
               <a:ext uri="{FF2B5EF4-FFF2-40B4-BE49-F238E27FC236}">
-                <a16:creationId xmlns:a16="http://schemas.microsoft.com/office/drawing/2014/main" id="{E98D9244-CDC1-737E-0ECC-2E3FCC3AE76F}"/>
+                <a16:creationId xmlns:a16="http://schemas.microsoft.com/office/drawing/2014/main" id="{23F6FEF3-A781-EC0B-506E-6AEFEF7E453A}"/>
               </a:ext>
             </a:extLst>
           </p:cNvPr>
@@ -1318,7 +1318,7 @@
           <p:cNvPr id="4" name="内容占位符 3">
             <a:extLst>
               <a:ext uri="{FF2B5EF4-FFF2-40B4-BE49-F238E27FC236}">
-                <a16:creationId xmlns:a16="http://schemas.microsoft.com/office/drawing/2014/main" id="{DA077BF0-2DD8-1612-132D-F46179B1D95D}"/>
+                <a16:creationId xmlns:a16="http://schemas.microsoft.com/office/drawing/2014/main" id="{13ABE0D5-87B2-B2C4-7E26-105235BBA329}"/>
               </a:ext>
             </a:extLst>
           </p:cNvPr>
@@ -1380,7 +1380,7 @@
           <p:cNvPr id="5" name="日期占位符 4">
             <a:extLst>
               <a:ext uri="{FF2B5EF4-FFF2-40B4-BE49-F238E27FC236}">
-                <a16:creationId xmlns:a16="http://schemas.microsoft.com/office/drawing/2014/main" id="{13DADFE2-9473-D5A7-F9E0-779BE2CE7828}"/>
+                <a16:creationId xmlns:a16="http://schemas.microsoft.com/office/drawing/2014/main" id="{9934B4C8-1DDC-BDA3-7F2D-813727188AD8}"/>
               </a:ext>
             </a:extLst>
           </p:cNvPr>
@@ -1396,7 +1396,7 @@
           <a:bodyPr/>
           <a:lstStyle/>
           <a:p>
-            <a:fld id="{1B6628A2-3420-4372-810F-6A193926CE17}" type="datetimeFigureOut">
+            <a:fld id="{806B4383-8977-4C41-B304-961E2D2CA26A}" type="datetimeFigureOut">
               <a:rPr lang="zh-CN" altLang="en-US" smtClean="0"/>
               <a:t>2024/3/10</a:t>
             </a:fld>
@@ -1409,7 +1409,7 @@
           <p:cNvPr id="6" name="页脚占位符 5">
             <a:extLst>
               <a:ext uri="{FF2B5EF4-FFF2-40B4-BE49-F238E27FC236}">
-                <a16:creationId xmlns:a16="http://schemas.microsoft.com/office/drawing/2014/main" id="{1238F86F-D116-9685-83DF-7B37701E6702}"/>
+                <a16:creationId xmlns:a16="http://schemas.microsoft.com/office/drawing/2014/main" id="{DD32CF53-6E7D-6069-1914-C5BDC1F23342}"/>
               </a:ext>
             </a:extLst>
           </p:cNvPr>
@@ -1434,7 +1434,7 @@
           <p:cNvPr id="7" name="灯片编号占位符 6">
             <a:extLst>
               <a:ext uri="{FF2B5EF4-FFF2-40B4-BE49-F238E27FC236}">
-                <a16:creationId xmlns:a16="http://schemas.microsoft.com/office/drawing/2014/main" id="{690AF95E-AD3E-0E5F-1482-067B875846EF}"/>
+                <a16:creationId xmlns:a16="http://schemas.microsoft.com/office/drawing/2014/main" id="{A34EDA08-67C1-F9DF-D1CA-A9F38C5A0BCC}"/>
               </a:ext>
             </a:extLst>
           </p:cNvPr>
@@ -1450,7 +1450,7 @@
           <a:bodyPr/>
           <a:lstStyle/>
           <a:p>
-            <a:fld id="{63C1EC80-D344-4A62-93C2-B12A63F750E6}" type="slidenum">
+            <a:fld id="{7F656934-06C3-46B0-9F6C-46EE65897780}" type="slidenum">
               <a:rPr lang="zh-CN" altLang="en-US" smtClean="0"/>
               <a:t>‹#›</a:t>
             </a:fld>
@@ -1461,7 +1461,7 @@
     </p:spTree>
     <p:extLst>
       <p:ext uri="{BB962C8B-B14F-4D97-AF65-F5344CB8AC3E}">
-        <p14:creationId xmlns:p14="http://schemas.microsoft.com/office/powerpoint/2010/main" val="3976066817"/>
+        <p14:creationId xmlns:p14="http://schemas.microsoft.com/office/powerpoint/2010/main" val="67203582"/>
       </p:ext>
     </p:extLst>
   </p:cSld>
@@ -1493,7 +1493,7 @@
           <p:cNvPr id="2" name="标题 1">
             <a:extLst>
               <a:ext uri="{FF2B5EF4-FFF2-40B4-BE49-F238E27FC236}">
-                <a16:creationId xmlns:a16="http://schemas.microsoft.com/office/drawing/2014/main" id="{7E56D072-F3A9-073B-A126-7AA28D3B0C0B}"/>
+                <a16:creationId xmlns:a16="http://schemas.microsoft.com/office/drawing/2014/main" id="{FA90EA24-C8A8-E5A6-E448-4B16CE9C84D4}"/>
               </a:ext>
             </a:extLst>
           </p:cNvPr>
@@ -1526,7 +1526,7 @@
           <p:cNvPr id="3" name="文本占位符 2">
             <a:extLst>
               <a:ext uri="{FF2B5EF4-FFF2-40B4-BE49-F238E27FC236}">
-                <a16:creationId xmlns:a16="http://schemas.microsoft.com/office/drawing/2014/main" id="{95012006-8CD3-48FD-D4D7-64A04CCE474A}"/>
+                <a16:creationId xmlns:a16="http://schemas.microsoft.com/office/drawing/2014/main" id="{C15774A0-3EB3-8660-59D7-937AC21F5C25}"/>
               </a:ext>
             </a:extLst>
           </p:cNvPr>
@@ -1597,7 +1597,7 @@
           <p:cNvPr id="4" name="内容占位符 3">
             <a:extLst>
               <a:ext uri="{FF2B5EF4-FFF2-40B4-BE49-F238E27FC236}">
-                <a16:creationId xmlns:a16="http://schemas.microsoft.com/office/drawing/2014/main" id="{E61D177D-9108-3D3C-75A2-D2A90CE66F6A}"/>
+                <a16:creationId xmlns:a16="http://schemas.microsoft.com/office/drawing/2014/main" id="{A10D83F3-4DB5-5FA3-4E57-A3F028E6E118}"/>
               </a:ext>
             </a:extLst>
           </p:cNvPr>
@@ -1659,7 +1659,7 @@
           <p:cNvPr id="5" name="文本占位符 4">
             <a:extLst>
               <a:ext uri="{FF2B5EF4-FFF2-40B4-BE49-F238E27FC236}">
-                <a16:creationId xmlns:a16="http://schemas.microsoft.com/office/drawing/2014/main" id="{1217C8D2-8896-CD41-AB1A-EB13A4A49EDC}"/>
+                <a16:creationId xmlns:a16="http://schemas.microsoft.com/office/drawing/2014/main" id="{8B56C4E1-B6FF-DB53-D145-8DFFBA607DFF}"/>
               </a:ext>
             </a:extLst>
           </p:cNvPr>
@@ -1730,7 +1730,7 @@
           <p:cNvPr id="6" name="内容占位符 5">
             <a:extLst>
               <a:ext uri="{FF2B5EF4-FFF2-40B4-BE49-F238E27FC236}">
-                <a16:creationId xmlns:a16="http://schemas.microsoft.com/office/drawing/2014/main" id="{65DE723F-94BE-48E8-A78F-53879D686267}"/>
+                <a16:creationId xmlns:a16="http://schemas.microsoft.com/office/drawing/2014/main" id="{4C9B6375-0C92-6D86-90B5-47520E3E4134}"/>
               </a:ext>
             </a:extLst>
           </p:cNvPr>
@@ -1792,7 +1792,7 @@
           <p:cNvPr id="7" name="日期占位符 6">
             <a:extLst>
               <a:ext uri="{FF2B5EF4-FFF2-40B4-BE49-F238E27FC236}">
-                <a16:creationId xmlns:a16="http://schemas.microsoft.com/office/drawing/2014/main" id="{EA04802D-54D6-8F20-E23F-5DFD14A9A5AF}"/>
+                <a16:creationId xmlns:a16="http://schemas.microsoft.com/office/drawing/2014/main" id="{82C39BCB-7034-320A-DFB2-A1CCACF66975}"/>
               </a:ext>
             </a:extLst>
           </p:cNvPr>
@@ -1808,7 +1808,7 @@
           <a:bodyPr/>
           <a:lstStyle/>
           <a:p>
-            <a:fld id="{1B6628A2-3420-4372-810F-6A193926CE17}" type="datetimeFigureOut">
+            <a:fld id="{806B4383-8977-4C41-B304-961E2D2CA26A}" type="datetimeFigureOut">
               <a:rPr lang="zh-CN" altLang="en-US" smtClean="0"/>
               <a:t>2024/3/10</a:t>
             </a:fld>
@@ -1821,7 +1821,7 @@
           <p:cNvPr id="8" name="页脚占位符 7">
             <a:extLst>
               <a:ext uri="{FF2B5EF4-FFF2-40B4-BE49-F238E27FC236}">
-                <a16:creationId xmlns:a16="http://schemas.microsoft.com/office/drawing/2014/main" id="{3AB115B4-4529-E3DB-9241-830905E8F040}"/>
+                <a16:creationId xmlns:a16="http://schemas.microsoft.com/office/drawing/2014/main" id="{EB468FC2-C774-AC7C-A1CB-F3D512E9B587}"/>
               </a:ext>
             </a:extLst>
           </p:cNvPr>
@@ -1846,7 +1846,7 @@
           <p:cNvPr id="9" name="灯片编号占位符 8">
             <a:extLst>
               <a:ext uri="{FF2B5EF4-FFF2-40B4-BE49-F238E27FC236}">
-                <a16:creationId xmlns:a16="http://schemas.microsoft.com/office/drawing/2014/main" id="{6B223049-4CEC-AFFC-19F5-F984CC06731D}"/>
+                <a16:creationId xmlns:a16="http://schemas.microsoft.com/office/drawing/2014/main" id="{A0FB9D3B-6ACB-CCC5-0757-AF8F82F74EBF}"/>
               </a:ext>
             </a:extLst>
           </p:cNvPr>
@@ -1862,7 +1862,7 @@
           <a:bodyPr/>
           <a:lstStyle/>
           <a:p>
-            <a:fld id="{63C1EC80-D344-4A62-93C2-B12A63F750E6}" type="slidenum">
+            <a:fld id="{7F656934-06C3-46B0-9F6C-46EE65897780}" type="slidenum">
               <a:rPr lang="zh-CN" altLang="en-US" smtClean="0"/>
               <a:t>‹#›</a:t>
             </a:fld>
@@ -1873,7 +1873,7 @@
     </p:spTree>
     <p:extLst>
       <p:ext uri="{BB962C8B-B14F-4D97-AF65-F5344CB8AC3E}">
-        <p14:creationId xmlns:p14="http://schemas.microsoft.com/office/powerpoint/2010/main" val="2375247422"/>
+        <p14:creationId xmlns:p14="http://schemas.microsoft.com/office/powerpoint/2010/main" val="2898245640"/>
       </p:ext>
     </p:extLst>
   </p:cSld>
@@ -1905,7 +1905,7 @@
           <p:cNvPr id="2" name="标题 1">
             <a:extLst>
               <a:ext uri="{FF2B5EF4-FFF2-40B4-BE49-F238E27FC236}">
-                <a16:creationId xmlns:a16="http://schemas.microsoft.com/office/drawing/2014/main" id="{61E9048D-60AA-CC6E-852E-A0BBE092835E}"/>
+                <a16:creationId xmlns:a16="http://schemas.microsoft.com/office/drawing/2014/main" id="{57465161-2E1A-661F-3332-AF788BC4052A}"/>
               </a:ext>
             </a:extLst>
           </p:cNvPr>
@@ -1933,7 +1933,7 @@
           <p:cNvPr id="3" name="日期占位符 2">
             <a:extLst>
               <a:ext uri="{FF2B5EF4-FFF2-40B4-BE49-F238E27FC236}">
-                <a16:creationId xmlns:a16="http://schemas.microsoft.com/office/drawing/2014/main" id="{D749885D-507E-C379-DBAD-C9C4D3433B7E}"/>
+                <a16:creationId xmlns:a16="http://schemas.microsoft.com/office/drawing/2014/main" id="{10E3BA2D-63E7-3990-E7E9-E26413F5197E}"/>
               </a:ext>
             </a:extLst>
           </p:cNvPr>
@@ -1949,7 +1949,7 @@
           <a:bodyPr/>
           <a:lstStyle/>
           <a:p>
-            <a:fld id="{1B6628A2-3420-4372-810F-6A193926CE17}" type="datetimeFigureOut">
+            <a:fld id="{806B4383-8977-4C41-B304-961E2D2CA26A}" type="datetimeFigureOut">
               <a:rPr lang="zh-CN" altLang="en-US" smtClean="0"/>
               <a:t>2024/3/10</a:t>
             </a:fld>
@@ -1962,7 +1962,7 @@
           <p:cNvPr id="4" name="页脚占位符 3">
             <a:extLst>
               <a:ext uri="{FF2B5EF4-FFF2-40B4-BE49-F238E27FC236}">
-                <a16:creationId xmlns:a16="http://schemas.microsoft.com/office/drawing/2014/main" id="{0747F6AF-CF54-24A7-9D9F-2EEB20A752F9}"/>
+                <a16:creationId xmlns:a16="http://schemas.microsoft.com/office/drawing/2014/main" id="{D5CE4778-E849-B763-76D2-767AEED84E51}"/>
               </a:ext>
             </a:extLst>
           </p:cNvPr>
@@ -1987,7 +1987,7 @@
           <p:cNvPr id="5" name="灯片编号占位符 4">
             <a:extLst>
               <a:ext uri="{FF2B5EF4-FFF2-40B4-BE49-F238E27FC236}">
-                <a16:creationId xmlns:a16="http://schemas.microsoft.com/office/drawing/2014/main" id="{7FFBB1EC-2B5D-BCBE-520F-9F113804220B}"/>
+                <a16:creationId xmlns:a16="http://schemas.microsoft.com/office/drawing/2014/main" id="{EEB08AD8-81E9-8A34-CA97-63ABCAB7BB0D}"/>
               </a:ext>
             </a:extLst>
           </p:cNvPr>
@@ -2003,7 +2003,7 @@
           <a:bodyPr/>
           <a:lstStyle/>
           <a:p>
-            <a:fld id="{63C1EC80-D344-4A62-93C2-B12A63F750E6}" type="slidenum">
+            <a:fld id="{7F656934-06C3-46B0-9F6C-46EE65897780}" type="slidenum">
               <a:rPr lang="zh-CN" altLang="en-US" smtClean="0"/>
               <a:t>‹#›</a:t>
             </a:fld>
@@ -2014,7 +2014,7 @@
     </p:spTree>
     <p:extLst>
       <p:ext uri="{BB962C8B-B14F-4D97-AF65-F5344CB8AC3E}">
-        <p14:creationId xmlns:p14="http://schemas.microsoft.com/office/powerpoint/2010/main" val="2510610815"/>
+        <p14:creationId xmlns:p14="http://schemas.microsoft.com/office/powerpoint/2010/main" val="482481835"/>
       </p:ext>
     </p:extLst>
   </p:cSld>
@@ -2046,7 +2046,7 @@
           <p:cNvPr id="2" name="日期占位符 1">
             <a:extLst>
               <a:ext uri="{FF2B5EF4-FFF2-40B4-BE49-F238E27FC236}">
-                <a16:creationId xmlns:a16="http://schemas.microsoft.com/office/drawing/2014/main" id="{8F32F49B-551C-3B78-4125-E05D79E81F5A}"/>
+                <a16:creationId xmlns:a16="http://schemas.microsoft.com/office/drawing/2014/main" id="{42CA80A8-E1F5-80D1-7E53-F15BC368DB55}"/>
               </a:ext>
             </a:extLst>
           </p:cNvPr>
@@ -2062,7 +2062,7 @@
           <a:bodyPr/>
           <a:lstStyle/>
           <a:p>
-            <a:fld id="{1B6628A2-3420-4372-810F-6A193926CE17}" type="datetimeFigureOut">
+            <a:fld id="{806B4383-8977-4C41-B304-961E2D2CA26A}" type="datetimeFigureOut">
               <a:rPr lang="zh-CN" altLang="en-US" smtClean="0"/>
               <a:t>2024/3/10</a:t>
             </a:fld>
@@ -2075,7 +2075,7 @@
           <p:cNvPr id="3" name="页脚占位符 2">
             <a:extLst>
               <a:ext uri="{FF2B5EF4-FFF2-40B4-BE49-F238E27FC236}">
-                <a16:creationId xmlns:a16="http://schemas.microsoft.com/office/drawing/2014/main" id="{F7960D44-A360-0368-DB3A-5656008812F5}"/>
+                <a16:creationId xmlns:a16="http://schemas.microsoft.com/office/drawing/2014/main" id="{4D70CAA9-FFF7-FF45-5DC8-8D0867F76B7E}"/>
               </a:ext>
             </a:extLst>
           </p:cNvPr>
@@ -2100,7 +2100,7 @@
           <p:cNvPr id="4" name="灯片编号占位符 3">
             <a:extLst>
               <a:ext uri="{FF2B5EF4-FFF2-40B4-BE49-F238E27FC236}">
-                <a16:creationId xmlns:a16="http://schemas.microsoft.com/office/drawing/2014/main" id="{0CE92745-D90D-B5C3-22C9-44416278C513}"/>
+                <a16:creationId xmlns:a16="http://schemas.microsoft.com/office/drawing/2014/main" id="{56ADB2D2-81EA-0994-F3B4-448B77EFDB14}"/>
               </a:ext>
             </a:extLst>
           </p:cNvPr>
@@ -2116,7 +2116,7 @@
           <a:bodyPr/>
           <a:lstStyle/>
           <a:p>
-            <a:fld id="{63C1EC80-D344-4A62-93C2-B12A63F750E6}" type="slidenum">
+            <a:fld id="{7F656934-06C3-46B0-9F6C-46EE65897780}" type="slidenum">
               <a:rPr lang="zh-CN" altLang="en-US" smtClean="0"/>
               <a:t>‹#›</a:t>
             </a:fld>
@@ -2127,7 +2127,7 @@
     </p:spTree>
     <p:extLst>
       <p:ext uri="{BB962C8B-B14F-4D97-AF65-F5344CB8AC3E}">
-        <p14:creationId xmlns:p14="http://schemas.microsoft.com/office/powerpoint/2010/main" val="2586352168"/>
+        <p14:creationId xmlns:p14="http://schemas.microsoft.com/office/powerpoint/2010/main" val="191192535"/>
       </p:ext>
     </p:extLst>
   </p:cSld>
@@ -2159,7 +2159,7 @@
           <p:cNvPr id="2" name="标题 1">
             <a:extLst>
               <a:ext uri="{FF2B5EF4-FFF2-40B4-BE49-F238E27FC236}">
-                <a16:creationId xmlns:a16="http://schemas.microsoft.com/office/drawing/2014/main" id="{A761B776-1654-5D4A-6F87-7F96CC8A8FEA}"/>
+                <a16:creationId xmlns:a16="http://schemas.microsoft.com/office/drawing/2014/main" id="{DDD62EC1-81C8-CA30-11EE-E442CE55AA52}"/>
               </a:ext>
             </a:extLst>
           </p:cNvPr>
@@ -2196,7 +2196,7 @@
           <p:cNvPr id="3" name="内容占位符 2">
             <a:extLst>
               <a:ext uri="{FF2B5EF4-FFF2-40B4-BE49-F238E27FC236}">
-                <a16:creationId xmlns:a16="http://schemas.microsoft.com/office/drawing/2014/main" id="{7FE3C14D-1CB6-094C-4EBA-C8DE3E46633F}"/>
+                <a16:creationId xmlns:a16="http://schemas.microsoft.com/office/drawing/2014/main" id="{F7AAB4D3-41FC-A982-8B88-F74BF75DD53B}"/>
               </a:ext>
             </a:extLst>
           </p:cNvPr>
@@ -2286,7 +2286,7 @@
           <p:cNvPr id="4" name="文本占位符 3">
             <a:extLst>
               <a:ext uri="{FF2B5EF4-FFF2-40B4-BE49-F238E27FC236}">
-                <a16:creationId xmlns:a16="http://schemas.microsoft.com/office/drawing/2014/main" id="{1717DD39-22A6-E3F0-033D-A8E520107CA0}"/>
+                <a16:creationId xmlns:a16="http://schemas.microsoft.com/office/drawing/2014/main" id="{690E585C-A258-0538-062E-6884A918D338}"/>
               </a:ext>
             </a:extLst>
           </p:cNvPr>
@@ -2357,7 +2357,7 @@
           <p:cNvPr id="5" name="日期占位符 4">
             <a:extLst>
               <a:ext uri="{FF2B5EF4-FFF2-40B4-BE49-F238E27FC236}">
-                <a16:creationId xmlns:a16="http://schemas.microsoft.com/office/drawing/2014/main" id="{D3CD7225-3E6E-EFA0-46F4-E32FAB75DB22}"/>
+                <a16:creationId xmlns:a16="http://schemas.microsoft.com/office/drawing/2014/main" id="{932E3193-FA1B-F19B-CA87-E4F11591207B}"/>
               </a:ext>
             </a:extLst>
           </p:cNvPr>
@@ -2373,7 +2373,7 @@
           <a:bodyPr/>
           <a:lstStyle/>
           <a:p>
-            <a:fld id="{1B6628A2-3420-4372-810F-6A193926CE17}" type="datetimeFigureOut">
+            <a:fld id="{806B4383-8977-4C41-B304-961E2D2CA26A}" type="datetimeFigureOut">
               <a:rPr lang="zh-CN" altLang="en-US" smtClean="0"/>
               <a:t>2024/3/10</a:t>
             </a:fld>
@@ -2386,7 +2386,7 @@
           <p:cNvPr id="6" name="页脚占位符 5">
             <a:extLst>
               <a:ext uri="{FF2B5EF4-FFF2-40B4-BE49-F238E27FC236}">
-                <a16:creationId xmlns:a16="http://schemas.microsoft.com/office/drawing/2014/main" id="{1035FF99-7ABE-D598-C0D3-4427FE9713E7}"/>
+                <a16:creationId xmlns:a16="http://schemas.microsoft.com/office/drawing/2014/main" id="{2D546749-EAAE-6BC8-3E47-85363F4B682A}"/>
               </a:ext>
             </a:extLst>
           </p:cNvPr>
@@ -2411,7 +2411,7 @@
           <p:cNvPr id="7" name="灯片编号占位符 6">
             <a:extLst>
               <a:ext uri="{FF2B5EF4-FFF2-40B4-BE49-F238E27FC236}">
-                <a16:creationId xmlns:a16="http://schemas.microsoft.com/office/drawing/2014/main" id="{3D5D6718-DB42-6671-18AB-E7A191D5E237}"/>
+                <a16:creationId xmlns:a16="http://schemas.microsoft.com/office/drawing/2014/main" id="{35FF7006-D03E-81CD-3C4E-F5009492D52F}"/>
               </a:ext>
             </a:extLst>
           </p:cNvPr>
@@ -2427,7 +2427,7 @@
           <a:bodyPr/>
           <a:lstStyle/>
           <a:p>
-            <a:fld id="{63C1EC80-D344-4A62-93C2-B12A63F750E6}" type="slidenum">
+            <a:fld id="{7F656934-06C3-46B0-9F6C-46EE65897780}" type="slidenum">
               <a:rPr lang="zh-CN" altLang="en-US" smtClean="0"/>
               <a:t>‹#›</a:t>
             </a:fld>
@@ -2438,7 +2438,7 @@
     </p:spTree>
     <p:extLst>
       <p:ext uri="{BB962C8B-B14F-4D97-AF65-F5344CB8AC3E}">
-        <p14:creationId xmlns:p14="http://schemas.microsoft.com/office/powerpoint/2010/main" val="4110064139"/>
+        <p14:creationId xmlns:p14="http://schemas.microsoft.com/office/powerpoint/2010/main" val="2489989052"/>
       </p:ext>
     </p:extLst>
   </p:cSld>
@@ -2470,7 +2470,7 @@
           <p:cNvPr id="2" name="标题 1">
             <a:extLst>
               <a:ext uri="{FF2B5EF4-FFF2-40B4-BE49-F238E27FC236}">
-                <a16:creationId xmlns:a16="http://schemas.microsoft.com/office/drawing/2014/main" id="{B025A9B0-0A57-2E1F-BF9B-E860EA15A263}"/>
+                <a16:creationId xmlns:a16="http://schemas.microsoft.com/office/drawing/2014/main" id="{747FDCBE-81B4-97C5-5426-F3D7B43A281B}"/>
               </a:ext>
             </a:extLst>
           </p:cNvPr>
@@ -2507,7 +2507,7 @@
           <p:cNvPr id="3" name="图片占位符 2">
             <a:extLst>
               <a:ext uri="{FF2B5EF4-FFF2-40B4-BE49-F238E27FC236}">
-                <a16:creationId xmlns:a16="http://schemas.microsoft.com/office/drawing/2014/main" id="{DF6668C8-AF85-FBCA-B358-CD6715AB6C81}"/>
+                <a16:creationId xmlns:a16="http://schemas.microsoft.com/office/drawing/2014/main" id="{62E9AAF1-5529-C173-46BF-3BC4D583FFC2}"/>
               </a:ext>
             </a:extLst>
           </p:cNvPr>
@@ -2574,7 +2574,7 @@
           <p:cNvPr id="4" name="文本占位符 3">
             <a:extLst>
               <a:ext uri="{FF2B5EF4-FFF2-40B4-BE49-F238E27FC236}">
-                <a16:creationId xmlns:a16="http://schemas.microsoft.com/office/drawing/2014/main" id="{3600AEB3-6FBA-B5D9-9CE0-637362931724}"/>
+                <a16:creationId xmlns:a16="http://schemas.microsoft.com/office/drawing/2014/main" id="{56B7DE3C-DFB8-D7DC-E40D-EB6A732A0899}"/>
               </a:ext>
             </a:extLst>
           </p:cNvPr>
@@ -2645,7 +2645,7 @@
           <p:cNvPr id="5" name="日期占位符 4">
             <a:extLst>
               <a:ext uri="{FF2B5EF4-FFF2-40B4-BE49-F238E27FC236}">
-                <a16:creationId xmlns:a16="http://schemas.microsoft.com/office/drawing/2014/main" id="{3412BC96-B191-1EED-DA20-F13B5B507BD8}"/>
+                <a16:creationId xmlns:a16="http://schemas.microsoft.com/office/drawing/2014/main" id="{984C6C1A-F665-8D10-FE9B-73A94293ABD9}"/>
               </a:ext>
             </a:extLst>
           </p:cNvPr>
@@ -2661,7 +2661,7 @@
           <a:bodyPr/>
           <a:lstStyle/>
           <a:p>
-            <a:fld id="{1B6628A2-3420-4372-810F-6A193926CE17}" type="datetimeFigureOut">
+            <a:fld id="{806B4383-8977-4C41-B304-961E2D2CA26A}" type="datetimeFigureOut">
               <a:rPr lang="zh-CN" altLang="en-US" smtClean="0"/>
               <a:t>2024/3/10</a:t>
             </a:fld>
@@ -2674,7 +2674,7 @@
           <p:cNvPr id="6" name="页脚占位符 5">
             <a:extLst>
               <a:ext uri="{FF2B5EF4-FFF2-40B4-BE49-F238E27FC236}">
-                <a16:creationId xmlns:a16="http://schemas.microsoft.com/office/drawing/2014/main" id="{B9216FE5-DD03-F2BB-02F6-0D62F0B161D4}"/>
+                <a16:creationId xmlns:a16="http://schemas.microsoft.com/office/drawing/2014/main" id="{064C5D44-89B3-05FD-9AD3-F9776A836AC1}"/>
               </a:ext>
             </a:extLst>
           </p:cNvPr>
@@ -2699,7 +2699,7 @@
           <p:cNvPr id="7" name="灯片编号占位符 6">
             <a:extLst>
               <a:ext uri="{FF2B5EF4-FFF2-40B4-BE49-F238E27FC236}">
-                <a16:creationId xmlns:a16="http://schemas.microsoft.com/office/drawing/2014/main" id="{B543ECFD-9A3D-975C-42BC-0017DA37E841}"/>
+                <a16:creationId xmlns:a16="http://schemas.microsoft.com/office/drawing/2014/main" id="{5ED2A040-D27F-35A5-2D55-DF73015C594B}"/>
               </a:ext>
             </a:extLst>
           </p:cNvPr>
@@ -2715,7 +2715,7 @@
           <a:bodyPr/>
           <a:lstStyle/>
           <a:p>
-            <a:fld id="{63C1EC80-D344-4A62-93C2-B12A63F750E6}" type="slidenum">
+            <a:fld id="{7F656934-06C3-46B0-9F6C-46EE65897780}" type="slidenum">
               <a:rPr lang="zh-CN" altLang="en-US" smtClean="0"/>
               <a:t>‹#›</a:t>
             </a:fld>
@@ -2726,7 +2726,7 @@
     </p:spTree>
     <p:extLst>
       <p:ext uri="{BB962C8B-B14F-4D97-AF65-F5344CB8AC3E}">
-        <p14:creationId xmlns:p14="http://schemas.microsoft.com/office/powerpoint/2010/main" val="1334263583"/>
+        <p14:creationId xmlns:p14="http://schemas.microsoft.com/office/powerpoint/2010/main" val="1108647114"/>
       </p:ext>
     </p:extLst>
   </p:cSld>
@@ -2763,7 +2763,7 @@
           <p:cNvPr id="2" name="标题占位符 1">
             <a:extLst>
               <a:ext uri="{FF2B5EF4-FFF2-40B4-BE49-F238E27FC236}">
-                <a16:creationId xmlns:a16="http://schemas.microsoft.com/office/drawing/2014/main" id="{3E91ED74-C7A6-1031-5480-DBCAE13D6079}"/>
+                <a16:creationId xmlns:a16="http://schemas.microsoft.com/office/drawing/2014/main" id="{904973EA-EB83-BB19-EBB8-A3D8518A4A26}"/>
               </a:ext>
             </a:extLst>
           </p:cNvPr>
@@ -2801,7 +2801,7 @@
           <p:cNvPr id="3" name="文本占位符 2">
             <a:extLst>
               <a:ext uri="{FF2B5EF4-FFF2-40B4-BE49-F238E27FC236}">
-                <a16:creationId xmlns:a16="http://schemas.microsoft.com/office/drawing/2014/main" id="{6CEDA6D6-423A-ECA0-1E40-7136E817E9A9}"/>
+                <a16:creationId xmlns:a16="http://schemas.microsoft.com/office/drawing/2014/main" id="{3474CE76-C77E-5BD2-B4E8-3674BC8A4508}"/>
               </a:ext>
             </a:extLst>
           </p:cNvPr>
@@ -2868,7 +2868,7 @@
           <p:cNvPr id="4" name="日期占位符 3">
             <a:extLst>
               <a:ext uri="{FF2B5EF4-FFF2-40B4-BE49-F238E27FC236}">
-                <a16:creationId xmlns:a16="http://schemas.microsoft.com/office/drawing/2014/main" id="{99380F2F-072F-17DB-67DA-C37EC27EB172}"/>
+                <a16:creationId xmlns:a16="http://schemas.microsoft.com/office/drawing/2014/main" id="{D460670A-601F-12C2-2BBC-13CF3871B1E9}"/>
               </a:ext>
             </a:extLst>
           </p:cNvPr>
@@ -2902,7 +2902,7 @@
             </a:lvl1pPr>
           </a:lstStyle>
           <a:p>
-            <a:fld id="{1B6628A2-3420-4372-810F-6A193926CE17}" type="datetimeFigureOut">
+            <a:fld id="{806B4383-8977-4C41-B304-961E2D2CA26A}" type="datetimeFigureOut">
               <a:rPr lang="zh-CN" altLang="en-US" smtClean="0"/>
               <a:t>2024/3/10</a:t>
             </a:fld>
@@ -2915,7 +2915,7 @@
           <p:cNvPr id="5" name="页脚占位符 4">
             <a:extLst>
               <a:ext uri="{FF2B5EF4-FFF2-40B4-BE49-F238E27FC236}">
-                <a16:creationId xmlns:a16="http://schemas.microsoft.com/office/drawing/2014/main" id="{CEE95DC3-DD85-9CF7-2301-7E3952684B35}"/>
+                <a16:creationId xmlns:a16="http://schemas.microsoft.com/office/drawing/2014/main" id="{9622A3D1-6670-1404-91E0-B8D9F6B73DA0}"/>
               </a:ext>
             </a:extLst>
           </p:cNvPr>
@@ -2958,7 +2958,7 @@
           <p:cNvPr id="6" name="灯片编号占位符 5">
             <a:extLst>
               <a:ext uri="{FF2B5EF4-FFF2-40B4-BE49-F238E27FC236}">
-                <a16:creationId xmlns:a16="http://schemas.microsoft.com/office/drawing/2014/main" id="{2EF8173D-4C10-D8FC-ABBB-F97F7D5786E2}"/>
+                <a16:creationId xmlns:a16="http://schemas.microsoft.com/office/drawing/2014/main" id="{599C0657-AAF4-8229-875E-DFC708D3B319}"/>
               </a:ext>
             </a:extLst>
           </p:cNvPr>
@@ -2992,7 +2992,7 @@
             </a:lvl1pPr>
           </a:lstStyle>
           <a:p>
-            <a:fld id="{63C1EC80-D344-4A62-93C2-B12A63F750E6}" type="slidenum">
+            <a:fld id="{7F656934-06C3-46B0-9F6C-46EE65897780}" type="slidenum">
               <a:rPr lang="zh-CN" altLang="en-US" smtClean="0"/>
               <a:t>‹#›</a:t>
             </a:fld>
@@ -3003,7 +3003,7 @@
     </p:spTree>
     <p:extLst>
       <p:ext uri="{BB962C8B-B14F-4D97-AF65-F5344CB8AC3E}">
-        <p14:creationId xmlns:p14="http://schemas.microsoft.com/office/powerpoint/2010/main" val="3900806745"/>
+        <p14:creationId xmlns:p14="http://schemas.microsoft.com/office/powerpoint/2010/main" val="1488017305"/>
       </p:ext>
     </p:extLst>
   </p:cSld>
@@ -3323,7 +3323,7 @@
       </p:grpSpPr>
       <p:pic>
         <p:nvPicPr>
-          <p:cNvPr id="1547266" name="Picture 2" descr="1510"/>
+          <p:cNvPr id="1548290" name="Picture 2" descr="1511"/>
           <p:cNvPicPr>
             <a:picLocks noChangeAspect="1" noChangeArrowheads="1"/>
           </p:cNvPicPr>
@@ -3375,11 +3375,158 @@
           </a:extLst>
         </p:spPr>
       </p:pic>
+      <p:pic>
+        <p:nvPicPr>
+          <p:cNvPr id="1549315" name="Picture 3" descr="1511-2"/>
+          <p:cNvPicPr>
+            <a:picLocks noChangeAspect="1" noChangeArrowheads="1"/>
+          </p:cNvPicPr>
+          <p:nvPr/>
+        </p:nvPicPr>
+        <p:blipFill>
+          <a:blip r:embed="rId3">
+            <a:extLst>
+              <a:ext uri="{28A0092B-C50C-407E-A947-70E740481C1C}">
+                <a14:useLocalDpi xmlns:a14="http://schemas.microsoft.com/office/drawing/2010/main" val="0"/>
+              </a:ext>
+            </a:extLst>
+          </a:blip>
+          <a:srcRect/>
+          <a:stretch>
+            <a:fillRect/>
+          </a:stretch>
+        </p:blipFill>
+        <p:spPr bwMode="auto">
+          <a:xfrm>
+            <a:off x="1524000" y="0"/>
+            <a:ext cx="9144000" cy="6858000"/>
+          </a:xfrm>
+          <a:prstGeom prst="rect">
+            <a:avLst/>
+          </a:prstGeom>
+          <a:noFill/>
+          <a:ln>
+            <a:noFill/>
+          </a:ln>
+          <a:effectLst/>
+          <a:extLst>
+            <a:ext uri="{909E8E84-426E-40DD-AFC4-6F175D3DCCD1}">
+              <a14:hiddenFill xmlns:a14="http://schemas.microsoft.com/office/drawing/2010/main">
+                <a:solidFill>
+                  <a:srgbClr val="FFFFFF"/>
+                </a:solidFill>
+              </a14:hiddenFill>
+            </a:ext>
+            <a:ext uri="{91240B29-F687-4F45-9708-019B960494DF}">
+              <a14:hiddenLine xmlns:a14="http://schemas.microsoft.com/office/drawing/2010/main" w="9525">
+                <a:solidFill>
+                  <a:srgbClr val="000000"/>
+                </a:solidFill>
+                <a:miter lim="800000"/>
+                <a:headEnd/>
+                <a:tailEnd/>
+              </a14:hiddenLine>
+            </a:ext>
+            <a:ext uri="{AF507438-7753-43E0-B8FC-AC1667EBCBE1}">
+              <a14:hiddenEffects xmlns:a14="http://schemas.microsoft.com/office/drawing/2010/main">
+                <a:effectLst>
+                  <a:outerShdw dist="35921" dir="2700000" algn="ctr" rotWithShape="0">
+                    <a:srgbClr val="808080"/>
+                  </a:outerShdw>
+                </a:effectLst>
+              </a14:hiddenEffects>
+            </a:ext>
+          </a:extLst>
+        </p:spPr>
+      </p:pic>
     </p:spTree>
   </p:cSld>
   <p:clrMapOvr>
     <a:masterClrMapping/>
   </p:clrMapOvr>
+  <p:timing>
+    <p:tnLst>
+      <p:par>
+        <p:cTn id="1" dur="indefinite" restart="never" nodeType="tmRoot">
+          <p:childTnLst>
+            <p:seq concurrent="1" nextAc="seek">
+              <p:cTn id="2" dur="indefinite" nodeType="mainSeq">
+                <p:childTnLst>
+                  <p:par>
+                    <p:cTn id="3" fill="hold" nodeType="clickPar">
+                      <p:stCondLst>
+                        <p:cond delay="indefinite"/>
+                      </p:stCondLst>
+                      <p:childTnLst>
+                        <p:par>
+                          <p:cTn id="4" fill="hold" nodeType="withGroup">
+                            <p:stCondLst>
+                              <p:cond delay="0"/>
+                            </p:stCondLst>
+                            <p:childTnLst>
+                              <p:par>
+                                <p:cTn id="5" presetID="10" presetClass="entr" presetSubtype="0" fill="hold" nodeType="clickEffect">
+                                  <p:stCondLst>
+                                    <p:cond delay="0"/>
+                                  </p:stCondLst>
+                                  <p:childTnLst>
+                                    <p:set>
+                                      <p:cBhvr>
+                                        <p:cTn id="6" dur="1" fill="hold">
+                                          <p:stCondLst>
+                                            <p:cond delay="0"/>
+                                          </p:stCondLst>
+                                        </p:cTn>
+                                        <p:tgtEl>
+                                          <p:spTgt spid="1549315"/>
+                                        </p:tgtEl>
+                                        <p:attrNameLst>
+                                          <p:attrName>style.visibility</p:attrName>
+                                        </p:attrNameLst>
+                                      </p:cBhvr>
+                                      <p:to>
+                                        <p:strVal val="visible"/>
+                                      </p:to>
+                                    </p:set>
+                                    <p:animEffect transition="in" filter="fade">
+                                      <p:cBhvr>
+                                        <p:cTn id="7" dur="500"/>
+                                        <p:tgtEl>
+                                          <p:spTgt spid="1549315"/>
+                                        </p:tgtEl>
+                                      </p:cBhvr>
+                                    </p:animEffect>
+                                  </p:childTnLst>
+                                </p:cTn>
+                              </p:par>
+                            </p:childTnLst>
+                          </p:cTn>
+                        </p:par>
+                      </p:childTnLst>
+                    </p:cTn>
+                  </p:par>
+                </p:childTnLst>
+              </p:cTn>
+              <p:prevCondLst>
+                <p:cond evt="onPrev" delay="0">
+                  <p:tgtEl>
+                    <p:sldTgt/>
+                  </p:tgtEl>
+                </p:cond>
+              </p:prevCondLst>
+              <p:nextCondLst>
+                <p:cond evt="onNext" delay="0">
+                  <p:tgtEl>
+                    <p:sldTgt/>
+                  </p:tgtEl>
+                </p:cond>
+              </p:nextCondLst>
+            </p:seq>
+          </p:childTnLst>
+        </p:cTn>
+      </p:par>
+    </p:tnLst>
+  </p:timing>
 </p:sld>
 </file>
 
